--- a/Hestia/Hestia进展.pptx
+++ b/Hestia/Hestia进展.pptx
@@ -8,18 +8,19 @@
     <p:notesMasterId r:id="rId4"/>
   </p:notesMasterIdLst>
   <p:handoutMasterIdLst>
-    <p:handoutMasterId r:id="rId8"/>
+    <p:handoutMasterId r:id="rId9"/>
   </p:handoutMasterIdLst>
   <p:sldIdLst>
     <p:sldId id="831" r:id="rId3"/>
     <p:sldId id="1112" r:id="rId5"/>
     <p:sldId id="1113" r:id="rId6"/>
     <p:sldId id="1114" r:id="rId7"/>
+    <p:sldId id="1115" r:id="rId8"/>
   </p:sldIdLst>
   <p:sldSz cx="9144000" cy="6858000" type="screen4x3"/>
   <p:notesSz cx="6858000" cy="9144000"/>
   <p:custDataLst>
-    <p:tags r:id="rId13"/>
+    <p:tags r:id="rId14"/>
   </p:custDataLst>
   <p:defaultTextStyle>
     <a:defPPr>
@@ -799,6 +800,62 @@
 </file>
 
 <file path=ppt/notesSlides/notesSlide4.xml><?xml version="1.0" encoding="utf-8"?>
+<p:notes xmlns:a="http://schemas.openxmlformats.org/drawingml/2006/main" xmlns:r="http://schemas.openxmlformats.org/officeDocument/2006/relationships" xmlns:p="http://schemas.openxmlformats.org/presentationml/2006/main">
+  <p:cSld>
+    <p:spTree>
+      <p:nvGrpSpPr>
+        <p:cNvPr id="1" name=""/>
+        <p:cNvGrpSpPr/>
+        <p:nvPr/>
+      </p:nvGrpSpPr>
+      <p:grpSpPr>
+        <a:xfrm>
+          <a:off x="0" y="0"/>
+          <a:ext cx="0" cy="0"/>
+          <a:chOff x="0" y="0"/>
+          <a:chExt cx="0" cy="0"/>
+        </a:xfrm>
+      </p:grpSpPr>
+      <p:sp>
+        <p:nvSpPr>
+          <p:cNvPr id="2" name="幻灯片图像占位符 1"/>
+          <p:cNvSpPr>
+            <a:spLocks noGrp="1" noRot="1" noChangeAspect="1"/>
+          </p:cNvSpPr>
+          <p:nvPr>
+            <p:ph type="sldImg" idx="2"/>
+          </p:nvPr>
+        </p:nvSpPr>
+        <p:spPr/>
+      </p:sp>
+      <p:sp>
+        <p:nvSpPr>
+          <p:cNvPr id="3" name="文本占位符 2"/>
+          <p:cNvSpPr>
+            <a:spLocks noGrp="1"/>
+          </p:cNvSpPr>
+          <p:nvPr>
+            <p:ph type="body" idx="3"/>
+          </p:nvPr>
+        </p:nvSpPr>
+        <p:spPr/>
+        <p:txBody>
+          <a:bodyPr/>
+          <a:lstStyle/>
+          <a:p>
+            <a:endParaRPr lang="zh-CN" altLang="en-US" dirty="0"/>
+          </a:p>
+        </p:txBody>
+      </p:sp>
+    </p:spTree>
+  </p:cSld>
+  <p:clrMapOvr>
+    <a:masterClrMapping/>
+  </p:clrMapOvr>
+</p:notes>
+</file>
+
+<file path=ppt/notesSlides/notesSlide5.xml><?xml version="1.0" encoding="utf-8"?>
 <p:notes xmlns:a="http://schemas.openxmlformats.org/drawingml/2006/main" xmlns:r="http://schemas.openxmlformats.org/officeDocument/2006/relationships" xmlns:p="http://schemas.openxmlformats.org/presentationml/2006/main">
   <p:cSld>
     <p:spTree>
@@ -8416,21 +8473,64 @@
               <a:rPr lang="en-US" altLang="zh-CN" sz="2000" dirty="0">
                 <a:sym typeface="+mn-ea"/>
               </a:rPr>
-              <a:t>kill，</a:t>
-            </a:r>
-            <a:r>
-              <a:rPr lang="zh-CN" altLang="en-US" sz="2000" dirty="0">
+              <a:t>kill</a:t>
+            </a:r>
+            <a:endParaRPr lang="en-US" altLang="zh-CN" sz="2000" dirty="0">
+              <a:sym typeface="+mn-ea"/>
+            </a:endParaRPr>
+          </a:p>
+          <a:p>
+            <a:pPr marL="914400" lvl="2" indent="0" algn="l">
+              <a:lnSpc>
+                <a:spcPct val="100000"/>
+              </a:lnSpc>
+              <a:buSzTx/>
+              <a:buFont typeface="Wingdings" panose="05000000000000000000" pitchFamily="2" charset="2"/>
+              <a:buNone/>
+            </a:pPr>
+            <a:r>
+              <a:rPr lang="zh-CN" altLang="en-US" sz="1775" dirty="0">
                 <a:sym typeface="+mn-ea"/>
               </a:rPr>
-              <a:t>可能</a:t>
-            </a:r>
-            <a:r>
-              <a:rPr lang="zh-CN" altLang="en-US" sz="2000" dirty="0">
+              <a:t>原因是源代码使用</a:t>
+            </a:r>
+            <a:r>
+              <a:rPr lang="en-US" altLang="zh-CN" sz="1775" dirty="0">
                 <a:sym typeface="+mn-ea"/>
               </a:rPr>
-              <a:t>原因是内存溢出</a:t>
-            </a:r>
-            <a:endParaRPr lang="zh-CN" altLang="en-US" sz="2000" dirty="0">
+              <a:t>pd.concat()</a:t>
+            </a:r>
+            <a:r>
+              <a:rPr lang="zh-CN" altLang="en-US" sz="1775" dirty="0">
+                <a:sym typeface="+mn-ea"/>
+              </a:rPr>
+              <a:t>在合并所有的</a:t>
+            </a:r>
+            <a:r>
+              <a:rPr lang="en-US" altLang="zh-CN" sz="1775" dirty="0">
+                <a:sym typeface="+mn-ea"/>
+              </a:rPr>
+              <a:t>df，</a:t>
+            </a:r>
+            <a:r>
+              <a:rPr lang="zh-CN" altLang="en-US" sz="1775" dirty="0">
+                <a:sym typeface="+mn-ea"/>
+              </a:rPr>
+              <a:t>这个函数的内存开销是待合并</a:t>
+            </a:r>
+            <a:r>
+              <a:rPr lang="en-US" altLang="zh-CN" sz="1775" dirty="0">
+                <a:sym typeface="+mn-ea"/>
+              </a:rPr>
+              <a:t>df</a:t>
+            </a:r>
+            <a:r>
+              <a:rPr lang="zh-CN" altLang="en-US" sz="1775" dirty="0">
+                <a:sym typeface="+mn-ea"/>
+              </a:rPr>
+              <a:t>大小的两倍以上</a:t>
+            </a:r>
+            <a:endParaRPr lang="zh-CN" altLang="en-US" sz="1775" dirty="0">
               <a:sym typeface="+mn-ea"/>
             </a:endParaRPr>
           </a:p>
@@ -8574,6 +8674,310 @@
               <a:cs typeface="+mj-cs"/>
               <a:sym typeface="+mn-ea"/>
             </a:endParaRPr>
+          </a:p>
+        </p:txBody>
+      </p:sp>
+    </p:spTree>
+  </p:cSld>
+  <p:clrMapOvr>
+    <a:masterClrMapping/>
+  </p:clrMapOvr>
+  <p:transition spd="med">
+    <p:push/>
+  </p:transition>
+</p:sld>
+</file>
+
+<file path=ppt/slides/slide5.xml><?xml version="1.0" encoding="utf-8"?>
+<p:sld xmlns:a="http://schemas.openxmlformats.org/drawingml/2006/main" xmlns:r="http://schemas.openxmlformats.org/officeDocument/2006/relationships" xmlns:p="http://schemas.openxmlformats.org/presentationml/2006/main">
+  <p:cSld>
+    <p:spTree>
+      <p:nvGrpSpPr>
+        <p:cNvPr id="1" name=""/>
+        <p:cNvGrpSpPr/>
+        <p:nvPr/>
+      </p:nvGrpSpPr>
+      <p:grpSpPr>
+        <a:xfrm>
+          <a:off x="0" y="0"/>
+          <a:ext cx="0" cy="0"/>
+          <a:chOff x="0" y="0"/>
+          <a:chExt cx="0" cy="0"/>
+        </a:xfrm>
+      </p:grpSpPr>
+      <p:sp>
+        <p:nvSpPr>
+          <p:cNvPr id="4" name="内容占位符 3"/>
+          <p:cNvSpPr>
+            <a:spLocks noGrp="1"/>
+          </p:cNvSpPr>
+          <p:nvPr>
+            <p:ph sz="quarter" idx="10"/>
+            <p:custDataLst>
+              <p:tags r:id="rId1"/>
+            </p:custDataLst>
+          </p:nvPr>
+        </p:nvSpPr>
+        <p:spPr>
+          <a:xfrm>
+            <a:off x="0" y="1714318"/>
+            <a:ext cx="9144000" cy="5773239"/>
+          </a:xfrm>
+        </p:spPr>
+        <p:txBody>
+          <a:bodyPr>
+            <a:noAutofit/>
+          </a:bodyPr>
+          <a:lstStyle/>
+          <a:p>
+            <a:pPr algn="l">
+              <a:lnSpc>
+                <a:spcPct val="100000"/>
+              </a:lnSpc>
+              <a:buSzTx/>
+              <a:buFont typeface="Wingdings" panose="05000000000000000000" pitchFamily="2" charset="2"/>
+              <a:buChar char="Ø"/>
+            </a:pPr>
+            <a:r>
+              <a:rPr lang="en-US" altLang="zh-CN" sz="2000" dirty="0">
+                <a:sym typeface="+mn-ea"/>
+              </a:rPr>
+              <a:t>PERT-GNN</a:t>
+            </a:r>
+            <a:endParaRPr lang="en-US" altLang="zh-CN" sz="2000" dirty="0">
+              <a:sym typeface="+mn-ea"/>
+            </a:endParaRPr>
+          </a:p>
+          <a:p>
+            <a:pPr algn="l">
+              <a:lnSpc>
+                <a:spcPct val="100000"/>
+              </a:lnSpc>
+              <a:buSzTx/>
+              <a:buFont typeface="Wingdings" panose="05000000000000000000" pitchFamily="2" charset="2"/>
+              <a:buChar char="Ø"/>
+            </a:pPr>
+            <a:endParaRPr lang="en-US" altLang="zh-CN" sz="2000" dirty="0">
+              <a:sym typeface="+mn-ea"/>
+            </a:endParaRPr>
+          </a:p>
+          <a:p>
+            <a:pPr marL="457200" lvl="1" indent="0" algn="l">
+              <a:lnSpc>
+                <a:spcPct val="100000"/>
+              </a:lnSpc>
+              <a:buSzTx/>
+              <a:buFont typeface="Wingdings" panose="05000000000000000000" pitchFamily="2" charset="2"/>
+              <a:buNone/>
+            </a:pPr>
+            <a:endParaRPr lang="zh-CN" altLang="en-US" sz="2000" dirty="0">
+              <a:sym typeface="+mn-ea"/>
+            </a:endParaRPr>
+          </a:p>
+          <a:p>
+            <a:pPr marL="457200" lvl="1" indent="0" algn="l">
+              <a:lnSpc>
+                <a:spcPct val="100000"/>
+              </a:lnSpc>
+              <a:buSzTx/>
+              <a:buFont typeface="Wingdings" panose="05000000000000000000" pitchFamily="2" charset="2"/>
+              <a:buNone/>
+            </a:pPr>
+            <a:endParaRPr lang="zh-CN" altLang="en-US" sz="2000" dirty="0">
+              <a:sym typeface="+mn-ea"/>
+            </a:endParaRPr>
+          </a:p>
+          <a:p>
+            <a:pPr marL="457200" lvl="1" indent="0" algn="l">
+              <a:lnSpc>
+                <a:spcPct val="100000"/>
+              </a:lnSpc>
+              <a:buSzTx/>
+              <a:buFont typeface="Wingdings" panose="05000000000000000000" pitchFamily="2" charset="2"/>
+              <a:buNone/>
+            </a:pPr>
+            <a:endParaRPr lang="en-US" altLang="zh-CN" sz="2000" dirty="0">
+              <a:sym typeface="+mn-ea"/>
+            </a:endParaRPr>
+          </a:p>
+          <a:p>
+            <a:pPr marL="457200" lvl="1" indent="0" algn="l">
+              <a:lnSpc>
+                <a:spcPct val="100000"/>
+              </a:lnSpc>
+              <a:buSzTx/>
+              <a:buFont typeface="Wingdings" panose="05000000000000000000" pitchFamily="2" charset="2"/>
+              <a:buNone/>
+            </a:pPr>
+            <a:endParaRPr lang="en-US" altLang="zh-CN" sz="2000" dirty="0">
+              <a:sym typeface="+mn-ea"/>
+            </a:endParaRPr>
+          </a:p>
+          <a:p>
+            <a:pPr marL="457200" lvl="1" indent="0" algn="l">
+              <a:lnSpc>
+                <a:spcPct val="100000"/>
+              </a:lnSpc>
+              <a:buSzTx/>
+              <a:buFont typeface="Wingdings" panose="05000000000000000000" pitchFamily="2" charset="2"/>
+              <a:buNone/>
+            </a:pPr>
+            <a:endParaRPr lang="en-US" altLang="zh-CN" sz="2000" dirty="0">
+              <a:sym typeface="+mn-ea"/>
+            </a:endParaRPr>
+          </a:p>
+          <a:p>
+            <a:pPr marL="0" indent="0" algn="l">
+              <a:lnSpc>
+                <a:spcPct val="100000"/>
+              </a:lnSpc>
+              <a:buSzTx/>
+              <a:buFont typeface="Wingdings" panose="05000000000000000000" pitchFamily="2" charset="2"/>
+              <a:buNone/>
+            </a:pPr>
+            <a:endParaRPr lang="en-US" altLang="zh-CN" dirty="0">
+              <a:sym typeface="+mn-ea"/>
+            </a:endParaRPr>
+          </a:p>
+        </p:txBody>
+      </p:sp>
+      <p:sp>
+        <p:nvSpPr>
+          <p:cNvPr id="3" name="标题 2"/>
+          <p:cNvSpPr>
+            <a:spLocks noGrp="1"/>
+          </p:cNvSpPr>
+          <p:nvPr>
+            <p:ph type="title"/>
+          </p:nvPr>
+        </p:nvSpPr>
+        <p:spPr>
+          <a:xfrm>
+            <a:off x="-340477" y="924235"/>
+            <a:ext cx="8372163" cy="574183"/>
+          </a:xfrm>
+        </p:spPr>
+        <p:txBody>
+          <a:bodyPr>
+            <a:normAutofit fontScale="90000"/>
+          </a:bodyPr>
+          <a:lstStyle/>
+          <a:p>
+            <a:pPr marL="457200" lvl="1">
+              <a:lnSpc>
+                <a:spcPct val="150000"/>
+              </a:lnSpc>
+            </a:pPr>
+            <a:r>
+              <a:rPr lang="zh-CN" altLang="en-US" sz="3200" b="1" kern="1200" dirty="0">
+                <a:solidFill>
+                  <a:schemeClr val="accent1"/>
+                </a:solidFill>
+                <a:latin typeface="+mj-lt"/>
+                <a:ea typeface="+mj-ea"/>
+                <a:cs typeface="+mj-cs"/>
+                <a:sym typeface="+mn-ea"/>
+              </a:rPr>
+              <a:t>延时</a:t>
+            </a:r>
+            <a:r>
+              <a:rPr lang="zh-CN" altLang="en-US" sz="3200" b="1" kern="1200" dirty="0">
+                <a:solidFill>
+                  <a:schemeClr val="accent1"/>
+                </a:solidFill>
+                <a:latin typeface="+mj-lt"/>
+                <a:ea typeface="+mj-ea"/>
+                <a:cs typeface="+mj-cs"/>
+                <a:sym typeface="+mn-ea"/>
+              </a:rPr>
+              <a:t>预测</a:t>
+            </a:r>
+            <a:endParaRPr lang="zh-CN" altLang="en-US" sz="3200" b="1" kern="1200" dirty="0">
+              <a:solidFill>
+                <a:schemeClr val="accent1"/>
+              </a:solidFill>
+              <a:latin typeface="+mj-lt"/>
+              <a:ea typeface="+mj-ea"/>
+              <a:cs typeface="+mj-cs"/>
+              <a:sym typeface="+mn-ea"/>
+            </a:endParaRPr>
+          </a:p>
+        </p:txBody>
+      </p:sp>
+      <p:sp>
+        <p:nvSpPr>
+          <p:cNvPr id="2" name="矩形 1"/>
+          <p:cNvSpPr/>
+          <p:nvPr/>
+        </p:nvSpPr>
+        <p:spPr>
+          <a:xfrm>
+            <a:off x="2531745" y="3248025"/>
+            <a:ext cx="914400" cy="914400"/>
+          </a:xfrm>
+          <a:prstGeom prst="rect">
+            <a:avLst/>
+          </a:prstGeom>
+          <a:noFill/>
+          <a:ln>
+            <a:noFill/>
+          </a:ln>
+          <a:extLst>
+            <a:ext uri="{909E8E84-426E-40DD-AFC4-6F175D3DCCD1}">
+              <a14:hiddenFill xmlns:a14="http://schemas.microsoft.com/office/drawing/2010/main">
+                <a:solidFill>
+                  <a:schemeClr val="accent1"/>
+                </a:solidFill>
+              </a14:hiddenFill>
+            </a:ext>
+          </a:extLst>
+        </p:spPr>
+        <p:style>
+          <a:lnRef idx="2">
+            <a:schemeClr val="accent1">
+              <a:shade val="50000"/>
+            </a:schemeClr>
+          </a:lnRef>
+          <a:fillRef idx="1">
+            <a:schemeClr val="accent1"/>
+          </a:fillRef>
+          <a:effectRef idx="0">
+            <a:schemeClr val="accent1"/>
+          </a:effectRef>
+          <a:fontRef idx="minor">
+            <a:schemeClr val="lt1"/>
+          </a:fontRef>
+        </p:style>
+        <p:txBody>
+          <a:bodyPr rtlCol="0" anchor="ctr"/>
+          <a:p>
+            <a:pPr algn="ctr"/>
+            <a:endParaRPr lang="zh-CN" altLang="en-US"/>
+          </a:p>
+        </p:txBody>
+      </p:sp>
+      <p:sp>
+        <p:nvSpPr>
+          <p:cNvPr id="5" name="文本框 4"/>
+          <p:cNvSpPr txBox="1"/>
+          <p:nvPr/>
+        </p:nvSpPr>
+        <p:spPr>
+          <a:xfrm>
+            <a:off x="3152140" y="3701415"/>
+            <a:ext cx="3048000" cy="368300"/>
+          </a:xfrm>
+          <a:prstGeom prst="rect">
+            <a:avLst/>
+          </a:prstGeom>
+          <a:noFill/>
+        </p:spPr>
+        <p:txBody>
+          <a:bodyPr wrap="square" rtlCol="0">
+            <a:spAutoFit/>
+          </a:bodyPr>
+          <a:p>
+            <a:endParaRPr lang="zh-CN" altLang="en-US"/>
           </a:p>
         </p:txBody>
       </p:sp>
@@ -8607,6 +9011,12 @@
 </file>
 
 <file path=ppt/tags/tag4.xml><?xml version="1.0" encoding="utf-8"?>
+<p:tagLst xmlns:p="http://schemas.openxmlformats.org/presentationml/2006/main">
+  <p:tag name="KSO_WM_BEAUTIFY_FLAG" val=""/>
+</p:tagLst>
+</file>
+
+<file path=ppt/tags/tag5.xml><?xml version="1.0" encoding="utf-8"?>
 <p:tagLst xmlns:p="http://schemas.openxmlformats.org/presentationml/2006/main">
   <p:tag name="COMMONDATA" val="eyJoZGlkIjoiNmE5ODU1Mzg1MzBiZjdhNjc2MmZhMjkyMjRmZjE4YmQifQ=="/>
   <p:tag name="commondata" val="eyJoZGlkIjoiOWExNTU5Yjg5MDc4ZjA1NGZiNWE4MWNjMzdjZmM3ZmMifQ=="/>
